--- a/presentation.pptx
+++ b/presentation.pptx
@@ -15,7 +15,8 @@
     <p:sldId id="265" r:id="rId9"/>
     <p:sldId id="266" r:id="rId10"/>
     <p:sldId id="267" r:id="rId11"/>
-    <p:sldId id="268" r:id="rId12"/>
+    <p:sldId id="269" r:id="rId12"/>
+    <p:sldId id="268" r:id="rId13"/>
   </p:sldIdLst>
   <p:sldSz cx="12192000" cy="6858000"/>
   <p:notesSz cx="6858000" cy="9144000"/>
@@ -4282,44 +4283,49 @@
             <p:ph type="subTitle" idx="1"/>
           </p:nvPr>
         </p:nvSpPr>
-        <p:spPr/>
+        <p:spPr>
+          <a:xfrm>
+            <a:off x="1088914" y="5412259"/>
+            <a:ext cx="7034362" cy="832022"/>
+          </a:xfrm>
+        </p:spPr>
         <p:txBody>
           <a:bodyPr>
-            <a:normAutofit fontScale="92500" lnSpcReduction="10000"/>
+            <a:noAutofit/>
           </a:bodyPr>
           <a:lstStyle/>
           <a:p>
             <a:r>
-              <a:rPr lang="en-IN" dirty="0"/>
+              <a:rPr lang="en-IN" sz="2200" dirty="0"/>
               <a:t>S</a:t>
             </a:r>
             <a:r>
-              <a:rPr lang="en-IN" dirty="0" smtClean="0"/>
+              <a:rPr lang="en-IN" sz="2200" dirty="0" smtClean="0"/>
               <a:t>hreya </a:t>
             </a:r>
             <a:r>
-              <a:rPr lang="en-IN" dirty="0"/>
+              <a:rPr lang="en-IN" sz="2200" dirty="0"/>
               <a:t>P</a:t>
             </a:r>
             <a:r>
-              <a:rPr lang="en-IN" dirty="0" smtClean="0"/>
+              <a:rPr lang="en-IN" sz="2200" dirty="0" smtClean="0"/>
               <a:t>atel (B16CS025)</a:t>
             </a:r>
           </a:p>
           <a:p>
             <a:r>
-              <a:rPr lang="en-IN" dirty="0" smtClean="0"/>
+              <a:rPr lang="en-IN" sz="2200" dirty="0" smtClean="0"/>
               <a:t>Saksham </a:t>
             </a:r>
             <a:r>
-              <a:rPr lang="en-IN" dirty="0"/>
+              <a:rPr lang="en-IN" sz="2200" dirty="0"/>
               <a:t>G</a:t>
             </a:r>
             <a:r>
-              <a:rPr lang="en-IN" dirty="0" smtClean="0"/>
+              <a:rPr lang="en-IN" sz="2200" dirty="0" smtClean="0"/>
               <a:t>upta (B16CS030)</a:t>
             </a:r>
-            <a:endParaRPr lang="en-IN" dirty="0"/>
+            <a:endParaRPr lang="en-IN" sz="2200" dirty="0"/>
           </a:p>
         </p:txBody>
       </p:sp>
@@ -4370,16 +4376,24 @@
             <p:ph type="title"/>
           </p:nvPr>
         </p:nvSpPr>
-        <p:spPr/>
-        <p:txBody>
-          <a:bodyPr/>
-          <a:lstStyle/>
-          <a:p>
-            <a:r>
-              <a:rPr lang="en-US" dirty="0" smtClean="0"/>
+        <p:spPr>
+          <a:xfrm>
+            <a:off x="762000" y="559678"/>
+            <a:ext cx="4710332" cy="1395731"/>
+          </a:xfrm>
+        </p:spPr>
+        <p:txBody>
+          <a:bodyPr>
+            <a:noAutofit/>
+          </a:bodyPr>
+          <a:lstStyle/>
+          <a:p>
+            <a:pPr algn="l"/>
+            <a:r>
+              <a:rPr lang="en-US" sz="6000" dirty="0" smtClean="0"/>
               <a:t>Conclusion</a:t>
             </a:r>
-            <a:endParaRPr lang="en-US" dirty="0"/>
+            <a:endParaRPr lang="en-US" sz="6000" dirty="0"/>
           </a:p>
         </p:txBody>
       </p:sp>
@@ -4393,12 +4407,35 @@
             <p:ph idx="1"/>
           </p:nvPr>
         </p:nvSpPr>
-        <p:spPr/>
-        <p:txBody>
-          <a:bodyPr/>
-          <a:lstStyle/>
-          <a:p>
-            <a:endParaRPr lang="en-US"/>
+        <p:spPr>
+          <a:xfrm>
+            <a:off x="761999" y="1811703"/>
+            <a:ext cx="10238935" cy="3519952"/>
+          </a:xfrm>
+        </p:spPr>
+        <p:txBody>
+          <a:bodyPr>
+            <a:noAutofit/>
+          </a:bodyPr>
+          <a:lstStyle/>
+          <a:p>
+            <a:r>
+              <a:rPr lang="en-US" sz="2600" dirty="0" smtClean="0"/>
+              <a:t>Software provides an easy assessment platform for student and faculty.</a:t>
+            </a:r>
+          </a:p>
+          <a:p>
+            <a:r>
+              <a:rPr lang="en-US" sz="2600" dirty="0" smtClean="0"/>
+              <a:t>Well tested over all possible inputs.</a:t>
+            </a:r>
+            <a:br>
+              <a:rPr lang="en-US" sz="2600" dirty="0" smtClean="0"/>
+            </a:br>
+            <a:endParaRPr lang="en-US" sz="2600" dirty="0" smtClean="0"/>
+          </a:p>
+          <a:p>
+            <a:endParaRPr lang="en-US" sz="2600" dirty="0"/>
           </a:p>
         </p:txBody>
       </p:sp>
@@ -4412,6 +4449,13 @@
   <p:clrMapOvr>
     <a:masterClrMapping/>
   </p:clrMapOvr>
+  <p:timing>
+    <p:tnLst>
+      <p:par>
+        <p:cTn id="1" dur="indefinite" restart="never" nodeType="tmRoot"/>
+      </p:par>
+    </p:tnLst>
+  </p:timing>
 </p:sld>
 </file>
 
@@ -4434,6 +4478,82 @@
       </p:grpSpPr>
       <p:sp>
         <p:nvSpPr>
+          <p:cNvPr id="5" name="Rectangle 4"/>
+          <p:cNvSpPr/>
+          <p:nvPr/>
+        </p:nvSpPr>
+        <p:spPr>
+          <a:xfrm>
+            <a:off x="3630119" y="2292478"/>
+            <a:ext cx="4453463" cy="1938992"/>
+          </a:xfrm>
+          <a:prstGeom prst="rect">
+            <a:avLst/>
+          </a:prstGeom>
+        </p:spPr>
+        <p:txBody>
+          <a:bodyPr wrap="none">
+            <a:spAutoFit/>
+          </a:bodyPr>
+          <a:lstStyle/>
+          <a:p>
+            <a:pPr algn="ctr"/>
+            <a:r>
+              <a:rPr lang="en-IN" sz="12000" dirty="0">
+                <a:ln w="0"/>
+                <a:effectLst>
+                  <a:outerShdw blurRad="38100" dist="19050" dir="2700000" algn="tl" rotWithShape="0">
+                    <a:schemeClr val="dk1">
+                      <a:alpha val="40000"/>
+                    </a:schemeClr>
+                  </a:outerShdw>
+                </a:effectLst>
+              </a:rPr>
+              <a:t>DEMO</a:t>
+            </a:r>
+            <a:endParaRPr lang="en-IN" sz="12000" dirty="0"/>
+          </a:p>
+        </p:txBody>
+      </p:sp>
+    </p:spTree>
+    <p:extLst>
+      <p:ext uri="{BB962C8B-B14F-4D97-AF65-F5344CB8AC3E}">
+        <p14:creationId xmlns:p14="http://schemas.microsoft.com/office/powerpoint/2010/main" val="1196686979"/>
+      </p:ext>
+    </p:extLst>
+  </p:cSld>
+  <p:clrMapOvr>
+    <a:masterClrMapping/>
+  </p:clrMapOvr>
+  <p:timing>
+    <p:tnLst>
+      <p:par>
+        <p:cTn id="1" dur="indefinite" restart="never" nodeType="tmRoot"/>
+      </p:par>
+    </p:tnLst>
+  </p:timing>
+</p:sld>
+</file>
+
+<file path=ppt/slides/slide12.xml><?xml version="1.0" encoding="utf-8"?>
+<p:sld xmlns:a="http://schemas.openxmlformats.org/drawingml/2006/main" xmlns:r="http://schemas.openxmlformats.org/officeDocument/2006/relationships" xmlns:p="http://schemas.openxmlformats.org/presentationml/2006/main">
+  <p:cSld>
+    <p:spTree>
+      <p:nvGrpSpPr>
+        <p:cNvPr id="1" name=""/>
+        <p:cNvGrpSpPr/>
+        <p:nvPr/>
+      </p:nvGrpSpPr>
+      <p:grpSpPr>
+        <a:xfrm>
+          <a:off x="0" y="0"/>
+          <a:ext cx="0" cy="0"/>
+          <a:chOff x="0" y="0"/>
+          <a:chExt cx="0" cy="0"/>
+        </a:xfrm>
+      </p:grpSpPr>
+      <p:sp>
+        <p:nvSpPr>
           <p:cNvPr id="4" name="Title 3"/>
           <p:cNvSpPr>
             <a:spLocks noGrp="1"/>
@@ -4448,10 +4568,34 @@
           <a:lstStyle/>
           <a:p>
             <a:r>
-              <a:rPr lang="en-US" dirty="0" smtClean="0"/>
-              <a:t>Thank you</a:t>
-            </a:r>
-            <a:endParaRPr lang="en-US" dirty="0"/>
+              <a:rPr lang="en-US" i="0" cap="none" dirty="0" smtClean="0">
+                <a:ln w="0"/>
+                <a:solidFill>
+                  <a:schemeClr val="tx1"/>
+                </a:solidFill>
+                <a:effectLst>
+                  <a:outerShdw blurRad="38100" dist="19050" dir="2700000" algn="tl" rotWithShape="0">
+                    <a:schemeClr val="dk1">
+                      <a:alpha val="40000"/>
+                    </a:schemeClr>
+                  </a:outerShdw>
+                </a:effectLst>
+              </a:rPr>
+              <a:t>THANK YOU</a:t>
+            </a:r>
+            <a:endParaRPr lang="en-US" i="0" cap="none" dirty="0">
+              <a:ln w="0"/>
+              <a:solidFill>
+                <a:schemeClr val="tx1"/>
+              </a:solidFill>
+              <a:effectLst>
+                <a:outerShdw blurRad="38100" dist="19050" dir="2700000" algn="tl" rotWithShape="0">
+                  <a:schemeClr val="dk1">
+                    <a:alpha val="40000"/>
+                  </a:schemeClr>
+                </a:outerShdw>
+              </a:effectLst>
+            </a:endParaRPr>
           </a:p>
         </p:txBody>
       </p:sp>
@@ -4507,6 +4651,13 @@
   <p:clrMapOvr>
     <a:masterClrMapping/>
   </p:clrMapOvr>
+  <p:timing>
+    <p:tnLst>
+      <p:par>
+        <p:cTn id="1" dur="indefinite" restart="never" nodeType="tmRoot"/>
+      </p:par>
+    </p:tnLst>
+  </p:timing>
 </p:sld>
 </file>
 
@@ -4539,8 +4690,8 @@
         </p:nvSpPr>
         <p:spPr>
           <a:xfrm>
-            <a:off x="692330" y="559678"/>
-            <a:ext cx="4728756" cy="4952492"/>
+            <a:off x="0" y="559678"/>
+            <a:ext cx="5421086" cy="4952492"/>
           </a:xfrm>
         </p:spPr>
         <p:txBody>
@@ -4549,12 +4700,12 @@
           </a:bodyPr>
           <a:lstStyle/>
           <a:p>
-            <a:pPr algn="l"/>
-            <a:r>
-              <a:rPr lang="en-IN" sz="4800" dirty="0" smtClean="0"/>
+            <a:pPr algn="ctr"/>
+            <a:r>
+              <a:rPr lang="en-IN" sz="6000" dirty="0" smtClean="0"/>
               <a:t>Key Features</a:t>
             </a:r>
-            <a:endParaRPr lang="en-IN" sz="4800" dirty="0"/>
+            <a:endParaRPr lang="en-IN" sz="6000" dirty="0"/>
           </a:p>
         </p:txBody>
       </p:sp>
@@ -4581,94 +4732,84 @@
           <a:lstStyle/>
           <a:p>
             <a:r>
-              <a:rPr lang="en-US" sz="2400" dirty="0" smtClean="0"/>
+              <a:rPr lang="en-US" sz="2600" dirty="0" smtClean="0"/>
               <a:t>An </a:t>
             </a:r>
             <a:r>
-              <a:rPr lang="en-US" sz="2400" dirty="0"/>
+              <a:rPr lang="en-US" sz="2600" dirty="0"/>
               <a:t>objective exam portal for the students to attempt the exam </a:t>
             </a:r>
             <a:r>
-              <a:rPr lang="en-US" sz="2400" dirty="0" smtClean="0"/>
+              <a:rPr lang="en-US" sz="2600" dirty="0" smtClean="0"/>
               <a:t>of desired course.</a:t>
             </a:r>
             <a:br>
-              <a:rPr lang="en-US" sz="2400" dirty="0" smtClean="0"/>
+              <a:rPr lang="en-US" sz="2600" dirty="0" smtClean="0"/>
             </a:br>
-            <a:endParaRPr lang="en-US" sz="2400" dirty="0" smtClean="0"/>
-          </a:p>
-          <a:p>
-            <a:r>
-              <a:rPr lang="en-IN" sz="2400" dirty="0" smtClean="0"/>
+            <a:endParaRPr lang="en-US" sz="2600" dirty="0" smtClean="0"/>
+          </a:p>
+          <a:p>
+            <a:r>
+              <a:rPr lang="en-IN" sz="2600" dirty="0" smtClean="0"/>
               <a:t>Students </a:t>
             </a:r>
             <a:r>
-              <a:rPr lang="en-IN" sz="2400" dirty="0"/>
+              <a:rPr lang="en-IN" sz="2600" dirty="0"/>
               <a:t>should register using his name and date of </a:t>
             </a:r>
             <a:r>
-              <a:rPr lang="en-IN" sz="2400" dirty="0" smtClean="0"/>
+              <a:rPr lang="en-IN" sz="2600" dirty="0" smtClean="0"/>
               <a:t>birth. He can also view his </a:t>
             </a:r>
             <a:r>
-              <a:rPr lang="en-IN" sz="2400" dirty="0"/>
+              <a:rPr lang="en-IN" sz="2600" dirty="0"/>
               <a:t>result</a:t>
             </a:r>
             <a:r>
-              <a:rPr lang="en-IN" sz="2400" dirty="0" smtClean="0"/>
+              <a:rPr lang="en-IN" sz="2600" dirty="0" smtClean="0"/>
               <a:t>.</a:t>
             </a:r>
             <a:br>
-              <a:rPr lang="en-IN" sz="2400" dirty="0" smtClean="0"/>
+              <a:rPr lang="en-IN" sz="2600" dirty="0" smtClean="0"/>
             </a:br>
-            <a:endParaRPr lang="en-US" sz="2400" dirty="0" smtClean="0"/>
-          </a:p>
-          <a:p>
-            <a:r>
-              <a:rPr lang="en-US" sz="2400" dirty="0" smtClean="0"/>
+            <a:endParaRPr lang="en-US" sz="2600" dirty="0" smtClean="0"/>
+          </a:p>
+          <a:p>
+            <a:r>
+              <a:rPr lang="en-US" sz="2600" dirty="0" smtClean="0"/>
               <a:t>A </a:t>
             </a:r>
             <a:r>
-              <a:rPr lang="en-US" sz="2400" dirty="0"/>
+              <a:rPr lang="en-US" sz="2600" dirty="0"/>
               <a:t>convenient way for the </a:t>
             </a:r>
             <a:r>
-              <a:rPr lang="en-US" sz="2400" dirty="0" smtClean="0"/>
+              <a:rPr lang="en-US" sz="2600" dirty="0" smtClean="0"/>
               <a:t>faculties (Admin) </a:t>
             </a:r>
             <a:r>
-              <a:rPr lang="en-US" sz="2400" dirty="0"/>
+              <a:rPr lang="en-US" sz="2600" dirty="0"/>
               <a:t>to generate and manage database of questions</a:t>
             </a:r>
             <a:r>
-              <a:rPr lang="en-US" sz="2400" dirty="0" smtClean="0"/>
+              <a:rPr lang="en-US" sz="2600" dirty="0" smtClean="0"/>
               <a:t>.</a:t>
             </a:r>
             <a:br>
-              <a:rPr lang="en-US" sz="2400" dirty="0" smtClean="0"/>
+              <a:rPr lang="en-US" sz="2600" dirty="0" smtClean="0"/>
             </a:br>
-            <a:endParaRPr lang="en-US" sz="2400" dirty="0" smtClean="0"/>
-          </a:p>
-          <a:p>
-            <a:r>
-              <a:rPr lang="en-IN" sz="2400" dirty="0" smtClean="0"/>
-              <a:t>Faculty </a:t>
-            </a:r>
-            <a:r>
-              <a:rPr lang="en-IN" sz="2400" dirty="0" smtClean="0"/>
-              <a:t>member (Admin) </a:t>
-            </a:r>
-            <a:r>
-              <a:rPr lang="en-IN" sz="2400" dirty="0" smtClean="0"/>
-              <a:t>can </a:t>
-            </a:r>
-            <a:r>
-              <a:rPr lang="en-IN" sz="2400" dirty="0" smtClean="0"/>
-              <a:t>also view result of the student.</a:t>
-            </a:r>
-          </a:p>
-          <a:p>
-            <a:endParaRPr lang="en-IN" sz="2400" dirty="0"/>
+            <a:endParaRPr lang="en-US" sz="2600" dirty="0" smtClean="0"/>
+          </a:p>
+          <a:p>
+            <a:r>
+              <a:rPr lang="en-IN" sz="2600" dirty="0" smtClean="0"/>
+              <a:t>Faculty member (Admin) can also view result of the student</a:t>
+            </a:r>
+            <a:r>
+              <a:rPr lang="en-IN" sz="2600" dirty="0" smtClean="0"/>
+              <a:t>.</a:t>
+            </a:r>
+            <a:endParaRPr lang="en-IN" sz="2600" dirty="0" smtClean="0"/>
           </a:p>
         </p:txBody>
       </p:sp>
@@ -4746,17 +4887,24 @@
             <p:ph type="title"/>
           </p:nvPr>
         </p:nvSpPr>
-        <p:spPr/>
-        <p:txBody>
-          <a:bodyPr/>
+        <p:spPr>
+          <a:xfrm>
+            <a:off x="478302" y="559678"/>
+            <a:ext cx="4117604" cy="4952492"/>
+          </a:xfrm>
+        </p:spPr>
+        <p:txBody>
+          <a:bodyPr>
+            <a:normAutofit/>
+          </a:bodyPr>
           <a:lstStyle/>
           <a:p>
             <a:pPr algn="l"/>
             <a:r>
-              <a:rPr lang="en-IN" sz="4800" dirty="0" smtClean="0"/>
+              <a:rPr lang="en-IN" sz="6000" dirty="0" smtClean="0"/>
               <a:t>Design</a:t>
             </a:r>
-            <a:endParaRPr lang="en-IN" dirty="0"/>
+            <a:endParaRPr lang="en-IN" sz="6000" dirty="0"/>
           </a:p>
         </p:txBody>
       </p:sp>
@@ -4783,7 +4931,7 @@
           <a:lstStyle/>
           <a:p>
             <a:r>
-              <a:rPr lang="en-IN" sz="2800" dirty="0"/>
+              <a:rPr lang="en-IN" sz="3200" dirty="0"/>
               <a:t>MAIN USERS</a:t>
             </a:r>
           </a:p>
@@ -4819,10 +4967,10 @@
               <a:buChar char="•"/>
             </a:pPr>
             <a:r>
-              <a:rPr lang="en-IN" sz="2400" dirty="0" smtClean="0"/>
+              <a:rPr lang="en-IN" sz="2600" dirty="0" smtClean="0"/>
               <a:t>Login : Admin , Student</a:t>
             </a:r>
-            <a:endParaRPr lang="en-IN" sz="2400" dirty="0"/>
+            <a:endParaRPr lang="en-IN" sz="2600" dirty="0"/>
           </a:p>
           <a:p>
             <a:pPr lvl="1">
@@ -4833,10 +4981,10 @@
               <a:buChar char="•"/>
             </a:pPr>
             <a:r>
-              <a:rPr lang="en-IN" sz="2400" dirty="0" smtClean="0"/>
+              <a:rPr lang="en-IN" sz="2600" dirty="0" smtClean="0"/>
               <a:t>Register : Student</a:t>
             </a:r>
-            <a:endParaRPr lang="en-IN" sz="2400" dirty="0"/>
+            <a:endParaRPr lang="en-IN" sz="2600" dirty="0"/>
           </a:p>
           <a:p>
             <a:pPr lvl="1">
@@ -4847,14 +4995,14 @@
               <a:buChar char="•"/>
             </a:pPr>
             <a:r>
-              <a:rPr lang="en-IN" sz="2400" dirty="0"/>
+              <a:rPr lang="en-IN" sz="2600" dirty="0"/>
               <a:t>Attempt </a:t>
             </a:r>
             <a:r>
-              <a:rPr lang="en-IN" sz="2400" dirty="0" smtClean="0"/>
+              <a:rPr lang="en-IN" sz="2600" dirty="0" smtClean="0"/>
               <a:t>Test : Student</a:t>
             </a:r>
-            <a:endParaRPr lang="en-IN" sz="2400" dirty="0"/>
+            <a:endParaRPr lang="en-IN" sz="2600" dirty="0"/>
           </a:p>
           <a:p>
             <a:pPr lvl="1">
@@ -4865,14 +5013,14 @@
               <a:buChar char="•"/>
             </a:pPr>
             <a:r>
-              <a:rPr lang="en-IN" sz="2400" dirty="0"/>
+              <a:rPr lang="en-IN" sz="2600" dirty="0"/>
               <a:t>View </a:t>
             </a:r>
             <a:r>
-              <a:rPr lang="en-IN" sz="2400" dirty="0" smtClean="0"/>
+              <a:rPr lang="en-IN" sz="2600" dirty="0" smtClean="0"/>
               <a:t>Result : Admin, Student</a:t>
             </a:r>
-            <a:endParaRPr lang="en-IN" sz="2400" dirty="0"/>
+            <a:endParaRPr lang="en-IN" sz="2600" dirty="0"/>
           </a:p>
           <a:p>
             <a:pPr lvl="1">
@@ -4883,21 +5031,21 @@
               <a:buChar char="•"/>
             </a:pPr>
             <a:r>
-              <a:rPr lang="en-IN" sz="2400" dirty="0"/>
+              <a:rPr lang="en-IN" sz="2600" dirty="0"/>
               <a:t>Manage </a:t>
             </a:r>
             <a:r>
-              <a:rPr lang="en-IN" sz="2400" dirty="0" smtClean="0"/>
+              <a:rPr lang="en-IN" sz="2600" dirty="0" smtClean="0"/>
               <a:t>Questions : Admin</a:t>
             </a:r>
-            <a:endParaRPr lang="en-IN" sz="2400" dirty="0"/>
+            <a:endParaRPr lang="en-IN" sz="2600" dirty="0"/>
           </a:p>
           <a:p>
             <a:pPr lvl="1">
               <a:buFont typeface="Arial" panose="020B0604020202020204" pitchFamily="34" charset="0"/>
               <a:buChar char="•"/>
             </a:pPr>
-            <a:endParaRPr lang="en-IN" sz="2400" dirty="0"/>
+            <a:endParaRPr lang="en-IN" sz="2600" dirty="0"/>
           </a:p>
         </p:txBody>
       </p:sp>
@@ -4924,22 +5072,72 @@
           <a:lstStyle/>
           <a:p>
             <a:r>
-              <a:rPr lang="en-IN" sz="2800" dirty="0" smtClean="0"/>
+              <a:rPr lang="en-IN" sz="3200" dirty="0" smtClean="0"/>
               <a:t>USECASES</a:t>
             </a:r>
-            <a:endParaRPr lang="en-IN" sz="2800" dirty="0"/>
+            <a:endParaRPr lang="en-IN" sz="3200" dirty="0"/>
+          </a:p>
+        </p:txBody>
+      </p:sp>
+      <p:sp>
+        <p:nvSpPr>
+          <p:cNvPr id="6" name="Content Placeholder 5"/>
+          <p:cNvSpPr>
+            <a:spLocks noGrp="1"/>
+          </p:cNvSpPr>
+          <p:nvPr>
+            <p:ph sz="quarter" idx="4294967295"/>
+          </p:nvPr>
+        </p:nvSpPr>
+        <p:spPr>
+          <a:xfrm>
+            <a:off x="5721530" y="1267097"/>
+            <a:ext cx="6470470" cy="1960291"/>
+          </a:xfrm>
+        </p:spPr>
+        <p:txBody>
+          <a:bodyPr>
+            <a:normAutofit/>
+          </a:bodyPr>
+          <a:lstStyle/>
+          <a:p>
+            <a:pPr lvl="1">
+              <a:lnSpc>
+                <a:spcPct val="100000"/>
+              </a:lnSpc>
+              <a:buFont typeface="Arial" panose="020B0604020202020204" pitchFamily="34" charset="0"/>
+              <a:buChar char="•"/>
+            </a:pPr>
+            <a:r>
+              <a:rPr lang="en-IN" sz="2600" dirty="0" smtClean="0"/>
+              <a:t>Student</a:t>
+            </a:r>
+          </a:p>
+          <a:p>
+            <a:pPr lvl="1">
+              <a:lnSpc>
+                <a:spcPct val="100000"/>
+              </a:lnSpc>
+              <a:buFont typeface="Arial" panose="020B0604020202020204" pitchFamily="34" charset="0"/>
+              <a:buChar char="•"/>
+            </a:pPr>
+            <a:r>
+              <a:rPr lang="en-IN" sz="2600" dirty="0" smtClean="0"/>
+              <a:t>Faculty member (Admin)</a:t>
+            </a:r>
+            <a:endParaRPr lang="en-IN" sz="2600" dirty="0"/>
           </a:p>
         </p:txBody>
       </p:sp>
       <p:pic>
         <p:nvPicPr>
-          <p:cNvPr id="1027" name="Picture 3" descr="usecase"/>
+          <p:cNvPr id="7" name="Picture 6"/>
           <p:cNvPicPr>
-            <a:picLocks noChangeAspect="1" noChangeArrowheads="1"/>
+            <a:picLocks noChangeAspect="1"/>
           </p:cNvPicPr>
           <p:nvPr/>
         </p:nvPicPr>
-        <p:blipFill>
+        <p:blipFill rotWithShape="1">
           <a:blip r:embed="rId2">
             <a:extLst>
               <a:ext uri="{28A0092B-C50C-407E-A947-70E740481C1C}">
@@ -4947,96 +5145,22 @@
               </a:ext>
             </a:extLst>
           </a:blip>
-          <a:srcRect/>
-          <a:stretch>
-            <a:fillRect/>
-          </a:stretch>
+          <a:srcRect l="4269" r="3946"/>
+          <a:stretch/>
         </p:blipFill>
-        <p:spPr bwMode="auto">
-          <a:xfrm>
-            <a:off x="0" y="1444398"/>
-            <a:ext cx="5181600" cy="4591149"/>
+        <p:spPr>
+          <a:xfrm>
+            <a:off x="0" y="1372561"/>
+            <a:ext cx="5721530" cy="4139609"/>
           </a:xfrm>
           <a:prstGeom prst="rect">
             <a:avLst/>
           </a:prstGeom>
-          <a:ln>
-            <a:noFill/>
-          </a:ln>
           <a:effectLst>
-            <a:softEdge rad="112500"/>
+            <a:softEdge rad="76200"/>
           </a:effectLst>
-          <a:extLst>
-            <a:ext uri="{909E8E84-426E-40DD-AFC4-6F175D3DCCD1}">
-              <a14:hiddenFill xmlns:a14="http://schemas.microsoft.com/office/drawing/2010/main">
-                <a:solidFill>
-                  <a:srgbClr val="FFFFFF"/>
-                </a:solidFill>
-              </a14:hiddenFill>
-            </a:ext>
-            <a:ext uri="{91240B29-F687-4F45-9708-019B960494DF}">
-              <a14:hiddenLine xmlns:a14="http://schemas.microsoft.com/office/drawing/2010/main" w="9525">
-                <a:solidFill>
-                  <a:srgbClr val="000000"/>
-                </a:solidFill>
-                <a:miter lim="800000"/>
-                <a:headEnd/>
-                <a:tailEnd/>
-              </a14:hiddenLine>
-            </a:ext>
-          </a:extLst>
         </p:spPr>
       </p:pic>
-      <p:sp>
-        <p:nvSpPr>
-          <p:cNvPr id="6" name="Content Placeholder 5"/>
-          <p:cNvSpPr>
-            <a:spLocks noGrp="1"/>
-          </p:cNvSpPr>
-          <p:nvPr>
-            <p:ph sz="quarter" idx="4294967295"/>
-          </p:nvPr>
-        </p:nvSpPr>
-        <p:spPr>
-          <a:xfrm>
-            <a:off x="5721530" y="1267097"/>
-            <a:ext cx="6470470" cy="1960291"/>
-          </a:xfrm>
-        </p:spPr>
-        <p:txBody>
-          <a:bodyPr>
-            <a:normAutofit/>
-          </a:bodyPr>
-          <a:lstStyle/>
-          <a:p>
-            <a:pPr lvl="1">
-              <a:lnSpc>
-                <a:spcPct val="100000"/>
-              </a:lnSpc>
-              <a:buFont typeface="Arial" panose="020B0604020202020204" pitchFamily="34" charset="0"/>
-              <a:buChar char="•"/>
-            </a:pPr>
-            <a:r>
-              <a:rPr lang="en-IN" sz="2400" dirty="0" smtClean="0"/>
-              <a:t>Student</a:t>
-            </a:r>
-          </a:p>
-          <a:p>
-            <a:pPr lvl="1">
-              <a:lnSpc>
-                <a:spcPct val="100000"/>
-              </a:lnSpc>
-              <a:buFont typeface="Arial" panose="020B0604020202020204" pitchFamily="34" charset="0"/>
-              <a:buChar char="•"/>
-            </a:pPr>
-            <a:r>
-              <a:rPr lang="en-IN" sz="2400" dirty="0" smtClean="0"/>
-              <a:t>Faculty member (Admin)</a:t>
-            </a:r>
-            <a:endParaRPr lang="en-IN" sz="2400" dirty="0"/>
-          </a:p>
-        </p:txBody>
-      </p:sp>
     </p:spTree>
     <p:extLst>
       <p:ext uri="{BB962C8B-B14F-4D97-AF65-F5344CB8AC3E}">
@@ -5098,10 +5222,10 @@
           <a:p>
             <a:pPr algn="l"/>
             <a:r>
-              <a:rPr lang="en-US" sz="4800" dirty="0" smtClean="0"/>
-              <a:t>Structure of the database/ file system</a:t>
-            </a:r>
-            <a:endParaRPr lang="en-US" sz="4800" dirty="0"/>
+              <a:rPr lang="en-US" sz="6000" dirty="0" smtClean="0"/>
+              <a:t>Database/Files</a:t>
+            </a:r>
+            <a:endParaRPr lang="en-US" sz="6000" dirty="0"/>
           </a:p>
         </p:txBody>
       </p:sp>
@@ -5117,78 +5241,82 @@
         </p:nvSpPr>
         <p:spPr>
           <a:xfrm>
-            <a:off x="762000" y="2468880"/>
-            <a:ext cx="10667998" cy="3755341"/>
+            <a:off x="762000" y="1885072"/>
+            <a:ext cx="10667998" cy="4339150"/>
           </a:xfrm>
         </p:spPr>
         <p:txBody>
           <a:bodyPr>
-            <a:normAutofit/>
+            <a:noAutofit/>
           </a:bodyPr>
           <a:lstStyle/>
           <a:p>
             <a:r>
-              <a:rPr lang="en-US" sz="2400" dirty="0" smtClean="0"/>
+              <a:rPr lang="en-US" sz="2600" dirty="0" smtClean="0"/>
               <a:t>Used ‘.</a:t>
             </a:r>
             <a:r>
-              <a:rPr lang="en-US" sz="2400" dirty="0" err="1" smtClean="0"/>
+              <a:rPr lang="en-US" sz="2600" dirty="0" err="1" smtClean="0"/>
               <a:t>dat</a:t>
             </a:r>
             <a:r>
-              <a:rPr lang="en-US" sz="2400" dirty="0" smtClean="0"/>
+              <a:rPr lang="en-US" sz="2600" dirty="0" smtClean="0"/>
               <a:t>’ files to create the database of students and questions.</a:t>
             </a:r>
           </a:p>
           <a:p>
             <a:r>
-              <a:rPr lang="en-US" sz="2400" dirty="0" smtClean="0"/>
-              <a:t>Students database : STUDENT.DAT</a:t>
-            </a:r>
-          </a:p>
-          <a:p>
-            <a:r>
-              <a:rPr lang="en-US" sz="2400" dirty="0" smtClean="0"/>
+              <a:rPr lang="en-US" sz="2600" dirty="0" smtClean="0"/>
+              <a:t>Students database : </a:t>
+            </a:r>
+            <a:r>
+              <a:rPr lang="en-US" sz="2300" dirty="0" smtClean="0"/>
+              <a:t>STUDENT.DAT</a:t>
+            </a:r>
+          </a:p>
+          <a:p>
+            <a:r>
+              <a:rPr lang="en-US" sz="2600" dirty="0" smtClean="0"/>
               <a:t>Questions database : </a:t>
             </a:r>
           </a:p>
           <a:p>
-            <a:pPr marL="859536" lvl="1" indent="-457200">
+            <a:pPr marL="1316736" lvl="2" indent="-457200">
               <a:buFont typeface="+mj-lt"/>
               <a:buAutoNum type="arabicPeriod"/>
             </a:pPr>
             <a:r>
-              <a:rPr lang="en-US" sz="2200" dirty="0" smtClean="0"/>
+              <a:rPr lang="en-US" sz="2300" dirty="0" smtClean="0"/>
               <a:t>ENGLISH_QUES.DAT</a:t>
             </a:r>
           </a:p>
           <a:p>
-            <a:pPr marL="859536" lvl="1" indent="-457200">
+            <a:pPr marL="1316736" lvl="2" indent="-457200">
               <a:buFont typeface="+mj-lt"/>
               <a:buAutoNum type="arabicPeriod"/>
             </a:pPr>
             <a:r>
-              <a:rPr lang="en-US" sz="2200" dirty="0" smtClean="0"/>
+              <a:rPr lang="en-US" sz="2300" dirty="0" smtClean="0"/>
               <a:t>PHYSICS_QUES.DAT</a:t>
             </a:r>
           </a:p>
           <a:p>
-            <a:pPr marL="859536" lvl="1" indent="-457200">
+            <a:pPr marL="1316736" lvl="2" indent="-457200">
               <a:buFont typeface="+mj-lt"/>
               <a:buAutoNum type="arabicPeriod"/>
             </a:pPr>
             <a:r>
-              <a:rPr lang="en-US" sz="2200" dirty="0" smtClean="0"/>
+              <a:rPr lang="en-US" sz="2300" dirty="0" smtClean="0"/>
               <a:t>CHEMISTRY_QUES.DAT</a:t>
             </a:r>
           </a:p>
           <a:p>
-            <a:pPr marL="859536" lvl="1" indent="-457200">
+            <a:pPr marL="1316736" lvl="2" indent="-457200">
               <a:buFont typeface="+mj-lt"/>
               <a:buAutoNum type="arabicPeriod"/>
             </a:pPr>
             <a:r>
-              <a:rPr lang="en-US" sz="2200" dirty="0" smtClean="0"/>
+              <a:rPr lang="en-US" sz="2300" dirty="0" smtClean="0"/>
               <a:t>MATHS_QUES.DAT</a:t>
             </a:r>
           </a:p>
@@ -5254,10 +5382,10 @@
           <a:lstStyle/>
           <a:p>
             <a:r>
-              <a:rPr lang="en-IN" sz="3600" dirty="0" smtClean="0"/>
+              <a:rPr lang="en-IN" sz="4400" dirty="0" smtClean="0"/>
               <a:t>Things that could not be implemented</a:t>
             </a:r>
-            <a:endParaRPr lang="en-IN" sz="3600" dirty="0"/>
+            <a:endParaRPr lang="en-IN" sz="4400" dirty="0"/>
           </a:p>
         </p:txBody>
       </p:sp>
@@ -5284,16 +5412,14 @@
           <a:lstStyle/>
           <a:p>
             <a:r>
-              <a:rPr lang="en-IN" sz="2200" dirty="0" smtClean="0"/>
-              <a:t>Time constraint while attempting test.</a:t>
-            </a:r>
-          </a:p>
-          <a:p>
-            <a:r>
-              <a:rPr lang="en-IN" sz="2200" dirty="0" smtClean="0"/>
-              <a:t>Deleting question from the database by the faculty member (Admin).</a:t>
-            </a:r>
-            <a:endParaRPr lang="en-IN" sz="2200" dirty="0"/>
+              <a:rPr lang="en-IN" sz="2600" dirty="0" smtClean="0"/>
+              <a:t>Time constraint while attempting test</a:t>
+            </a:r>
+            <a:r>
+              <a:rPr lang="en-IN" sz="2600" dirty="0" smtClean="0"/>
+              <a:t>.</a:t>
+            </a:r>
+            <a:endParaRPr lang="en-IN" sz="2600" dirty="0" smtClean="0"/>
           </a:p>
         </p:txBody>
       </p:sp>
@@ -5309,8 +5435,8 @@
         </p:nvSpPr>
         <p:spPr>
           <a:xfrm>
-            <a:off x="583472" y="2781554"/>
-            <a:ext cx="11496595" cy="914400"/>
+            <a:off x="583472" y="1674148"/>
+            <a:ext cx="11496595" cy="1577895"/>
           </a:xfrm>
         </p:spPr>
         <p:txBody>
@@ -5320,10 +5446,10 @@
           <a:lstStyle/>
           <a:p>
             <a:r>
-              <a:rPr lang="en-IN" sz="3600" dirty="0" smtClean="0"/>
+              <a:rPr lang="en-IN" sz="4400" dirty="0" smtClean="0"/>
               <a:t>Additional Features Implemented</a:t>
             </a:r>
-            <a:endParaRPr lang="en-IN" sz="3600" dirty="0"/>
+            <a:endParaRPr lang="en-IN" sz="4400" dirty="0"/>
           </a:p>
         </p:txBody>
       </p:sp>
@@ -5339,8 +5465,8 @@
         </p:nvSpPr>
         <p:spPr>
           <a:xfrm>
-            <a:off x="583473" y="3839027"/>
-            <a:ext cx="11496594" cy="1755648"/>
+            <a:off x="583473" y="3252043"/>
+            <a:ext cx="9151370" cy="2342632"/>
           </a:xfrm>
         </p:spPr>
         <p:txBody>
@@ -5350,27 +5476,27 @@
           <a:lstStyle/>
           <a:p>
             <a:r>
-              <a:rPr lang="en-IN" sz="2200" dirty="0" smtClean="0"/>
+              <a:rPr lang="en-IN" sz="2600" dirty="0" smtClean="0"/>
               <a:t>Faculty member (Admin) can edit student details.</a:t>
             </a:r>
           </a:p>
           <a:p>
             <a:r>
-              <a:rPr lang="en-IN" sz="2200" dirty="0" smtClean="0"/>
+              <a:rPr lang="en-IN" sz="2600" dirty="0" smtClean="0"/>
               <a:t>He can edit number of questions to be asked for test and marks assigned to a question.</a:t>
             </a:r>
           </a:p>
           <a:p>
             <a:r>
-              <a:rPr lang="en-IN" sz="2200" dirty="0" smtClean="0"/>
+              <a:rPr lang="en-IN" sz="2600" dirty="0" smtClean="0"/>
               <a:t>Assigning rank</a:t>
             </a:r>
           </a:p>
           <a:p>
-            <a:endParaRPr lang="en-IN" sz="2200" dirty="0" smtClean="0"/>
-          </a:p>
-          <a:p>
-            <a:endParaRPr lang="en-IN" sz="2200" dirty="0"/>
+            <a:endParaRPr lang="en-IN" sz="2600" dirty="0" smtClean="0"/>
+          </a:p>
+          <a:p>
+            <a:endParaRPr lang="en-IN" sz="2600" dirty="0"/>
           </a:p>
         </p:txBody>
       </p:sp>
@@ -5410,6 +5536,13 @@
   <p:clrMapOvr>
     <a:masterClrMapping/>
   </p:clrMapOvr>
+  <p:timing>
+    <p:tnLst>
+      <p:par>
+        <p:cTn id="1" dur="indefinite" restart="never" nodeType="tmRoot"/>
+      </p:par>
+    </p:tnLst>
+  </p:timing>
 </p:sld>
 </file>
 
@@ -5454,10 +5587,26 @@
           <a:p>
             <a:pPr algn="l"/>
             <a:r>
-              <a:rPr lang="en-US" sz="4800" dirty="0" smtClean="0"/>
-              <a:t>Statistics of unit and system testing</a:t>
-            </a:r>
-            <a:endParaRPr lang="en-US" sz="4800" dirty="0"/>
+              <a:rPr lang="en-US" sz="6000" dirty="0" smtClean="0"/>
+              <a:t>Unit </a:t>
+            </a:r>
+            <a:r>
+              <a:rPr lang="en-US" sz="6000" dirty="0" smtClean="0"/>
+              <a:t>and </a:t>
+            </a:r>
+            <a:r>
+              <a:rPr lang="en-US" sz="6000" dirty="0" smtClean="0"/>
+              <a:t>System </a:t>
+            </a:r>
+            <a:r>
+              <a:rPr lang="en-US" sz="6000" dirty="0"/>
+              <a:t>T</a:t>
+            </a:r>
+            <a:r>
+              <a:rPr lang="en-US" sz="6000" dirty="0" smtClean="0"/>
+              <a:t>esting</a:t>
+            </a:r>
+            <a:endParaRPr lang="en-US" sz="6000" dirty="0"/>
           </a:p>
         </p:txBody>
       </p:sp>
@@ -5483,96 +5632,87 @@
           </a:bodyPr>
           <a:lstStyle/>
           <a:p>
-            <a:r>
-              <a:rPr lang="en-US" sz="2400" dirty="0" smtClean="0"/>
-              <a:t>The test cases were identified to check the </a:t>
-            </a:r>
-            <a:r>
-              <a:rPr lang="en-US" sz="2400" dirty="0" smtClean="0"/>
-              <a:t>following : </a:t>
-            </a:r>
+            <a:pPr>
+              <a:lnSpc>
+                <a:spcPct val="150000"/>
+              </a:lnSpc>
+            </a:pPr>
+            <a:r>
+              <a:rPr lang="en-US" sz="2600" dirty="0" smtClean="0"/>
+              <a:t>The test cases were identified to check </a:t>
+            </a:r>
+            <a:r>
+              <a:rPr lang="en-US" sz="2600" dirty="0"/>
+              <a:t>-</a:t>
+            </a:r>
+            <a:endParaRPr lang="en-US" sz="2600" dirty="0" smtClean="0"/>
           </a:p>
           <a:p>
             <a:pPr marL="1316736" lvl="2" indent="-457200">
+              <a:lnSpc>
+                <a:spcPct val="150000"/>
+              </a:lnSpc>
               <a:buFont typeface="+mj-lt"/>
               <a:buAutoNum type="arabicPeriod"/>
             </a:pPr>
             <a:r>
-              <a:rPr lang="en-US" sz="2400" dirty="0"/>
+              <a:rPr lang="en-US" sz="2600" dirty="0"/>
               <a:t>F</a:t>
             </a:r>
             <a:r>
-              <a:rPr lang="en-US" sz="2400" dirty="0" smtClean="0"/>
-              <a:t>unctionalities </a:t>
-            </a:r>
-            <a:r>
-              <a:rPr lang="en-US" sz="2400" dirty="0" smtClean="0"/>
-              <a:t>of the </a:t>
-            </a:r>
-            <a:r>
-              <a:rPr lang="en-US" sz="2400" dirty="0" smtClean="0"/>
-              <a:t>software</a:t>
+              <a:rPr lang="en-US" sz="2600" dirty="0" smtClean="0"/>
+              <a:t>unctionalities of the software</a:t>
             </a:r>
           </a:p>
           <a:p>
             <a:pPr marL="1316736" lvl="2" indent="-457200">
+              <a:lnSpc>
+                <a:spcPct val="150000"/>
+              </a:lnSpc>
               <a:buFont typeface="+mj-lt"/>
               <a:buAutoNum type="arabicPeriod"/>
             </a:pPr>
             <a:r>
-              <a:rPr lang="en-US" sz="2400" dirty="0"/>
+              <a:rPr lang="en-US" sz="2600" dirty="0"/>
               <a:t>W</a:t>
             </a:r>
             <a:r>
-              <a:rPr lang="en-US" sz="2400" dirty="0" smtClean="0"/>
-              <a:t>hether </a:t>
-            </a:r>
-            <a:r>
-              <a:rPr lang="en-US" sz="2400" dirty="0" smtClean="0"/>
-              <a:t>exceptions are handled properly or </a:t>
-            </a:r>
-            <a:r>
-              <a:rPr lang="en-US" sz="2400" dirty="0" smtClean="0"/>
+              <a:rPr lang="en-US" sz="2600" dirty="0" smtClean="0"/>
+              <a:t>hether exceptions are handled properly or </a:t>
+            </a:r>
+            <a:r>
+              <a:rPr lang="en-US" sz="2600" dirty="0" smtClean="0"/>
               <a:t>not</a:t>
             </a:r>
-          </a:p>
-          <a:p>
-            <a:pPr marL="1316736" lvl="2" indent="-457200">
-              <a:buFont typeface="+mj-lt"/>
-              <a:buAutoNum type="arabicPeriod"/>
+            <a:endParaRPr lang="en-US" sz="2600" dirty="0" smtClean="0"/>
+          </a:p>
+          <a:p>
+            <a:pPr>
+              <a:lnSpc>
+                <a:spcPct val="150000"/>
+              </a:lnSpc>
             </a:pPr>
-            <a:endParaRPr lang="en-US" sz="2400" dirty="0" smtClean="0"/>
-          </a:p>
-          <a:p>
-            <a:r>
-              <a:rPr lang="en-US" sz="2400" dirty="0"/>
+            <a:r>
+              <a:rPr lang="en-US" sz="2600" dirty="0" smtClean="0"/>
+              <a:t>NO use of any Automated tools</a:t>
+            </a:r>
+            <a:endParaRPr lang="en-US" sz="2600" dirty="0" smtClean="0"/>
+          </a:p>
+          <a:p>
+            <a:pPr>
+              <a:lnSpc>
+                <a:spcPct val="150000"/>
+              </a:lnSpc>
+            </a:pPr>
+            <a:r>
+              <a:rPr lang="en-US" sz="2600" dirty="0"/>
               <a:t> </a:t>
             </a:r>
             <a:r>
-              <a:rPr lang="en-US" sz="2400" dirty="0" smtClean="0"/>
-              <a:t>Whether any automated tools were used</a:t>
-            </a:r>
-          </a:p>
-          <a:p>
-            <a:r>
-              <a:rPr lang="en-US" sz="2400" dirty="0"/>
-              <a:t> </a:t>
-            </a:r>
-            <a:r>
-              <a:rPr lang="en-US" sz="2400" dirty="0" smtClean="0"/>
-              <a:t>Any test cases missed</a:t>
-            </a:r>
-          </a:p>
-          <a:p>
-            <a:r>
-              <a:rPr lang="en-US" sz="2400" dirty="0"/>
-              <a:t> </a:t>
-            </a:r>
-            <a:r>
-              <a:rPr lang="en-US" sz="2400" dirty="0" smtClean="0"/>
-              <a:t>Any other points related to testing you want to highlight</a:t>
-            </a:r>
-            <a:endParaRPr lang="en-US" sz="2400" dirty="0"/>
+              <a:rPr lang="en-US" sz="2600" dirty="0" smtClean="0"/>
+              <a:t>All the test cases are verified for different inputs</a:t>
+            </a:r>
+            <a:endParaRPr lang="en-US" sz="2600" dirty="0" smtClean="0"/>
           </a:p>
         </p:txBody>
       </p:sp>
@@ -5586,6 +5726,13 @@
   <p:clrMapOvr>
     <a:masterClrMapping/>
   </p:clrMapOvr>
+  <p:timing>
+    <p:tnLst>
+      <p:par>
+        <p:cTn id="1" dur="indefinite" restart="never" nodeType="tmRoot"/>
+      </p:par>
+    </p:tnLst>
+  </p:timing>
 </p:sld>
 </file>
 
@@ -5624,10 +5771,10 @@
           <a:lstStyle/>
           <a:p>
             <a:r>
-              <a:rPr lang="en-US" sz="5200" dirty="0" smtClean="0"/>
+              <a:rPr lang="en-US" sz="6000" dirty="0" smtClean="0"/>
               <a:t>Testing</a:t>
             </a:r>
-            <a:endParaRPr lang="en-US" sz="5200" dirty="0"/>
+            <a:endParaRPr lang="en-US" sz="6000" dirty="0"/>
           </a:p>
         </p:txBody>
       </p:sp>
@@ -5649,10 +5796,10 @@
           <a:lstStyle/>
           <a:p>
             <a:r>
-              <a:rPr lang="en-US" sz="4400" dirty="0" smtClean="0"/>
+              <a:rPr lang="en-US" sz="4800" dirty="0" smtClean="0"/>
               <a:t>Hostel Expenditure Planning</a:t>
             </a:r>
-            <a:endParaRPr lang="en-US" sz="4400" dirty="0"/>
+            <a:endParaRPr lang="en-US" sz="4800" dirty="0"/>
           </a:p>
         </p:txBody>
       </p:sp>
@@ -5666,6 +5813,13 @@
   <p:clrMapOvr>
     <a:masterClrMapping/>
   </p:clrMapOvr>
+  <p:timing>
+    <p:tnLst>
+      <p:par>
+        <p:cTn id="1" dur="indefinite" restart="never" nodeType="tmRoot"/>
+      </p:par>
+    </p:tnLst>
+  </p:timing>
 </p:sld>
 </file>
 
@@ -5756,6 +5910,13 @@
   <p:clrMapOvr>
     <a:masterClrMapping/>
   </p:clrMapOvr>
+  <p:timing>
+    <p:tnLst>
+      <p:par>
+        <p:cTn id="1" dur="indefinite" restart="never" nodeType="tmRoot"/>
+      </p:par>
+    </p:tnLst>
+  </p:timing>
 </p:sld>
 </file>
 
@@ -5786,16 +5947,24 @@
             <p:ph type="title"/>
           </p:nvPr>
         </p:nvSpPr>
-        <p:spPr/>
-        <p:txBody>
-          <a:bodyPr/>
-          <a:lstStyle/>
-          <a:p>
-            <a:r>
-              <a:rPr lang="en-US" dirty="0" smtClean="0"/>
-              <a:t>Statistics of the test cases</a:t>
-            </a:r>
-            <a:endParaRPr lang="en-US" dirty="0"/>
+        <p:spPr>
+          <a:xfrm>
+            <a:off x="188971" y="559678"/>
+            <a:ext cx="4406935" cy="4952492"/>
+          </a:xfrm>
+        </p:spPr>
+        <p:txBody>
+          <a:bodyPr>
+            <a:normAutofit/>
+          </a:bodyPr>
+          <a:lstStyle/>
+          <a:p>
+            <a:pPr algn="l"/>
+            <a:r>
+              <a:rPr lang="en-US" sz="6000" dirty="0" smtClean="0"/>
+              <a:t>Testing</a:t>
+            </a:r>
+            <a:endParaRPr lang="en-US" sz="6000" dirty="0"/>
           </a:p>
         </p:txBody>
       </p:sp>
@@ -5809,41 +5978,113 @@
             <p:ph idx="1"/>
           </p:nvPr>
         </p:nvSpPr>
-        <p:spPr/>
-        <p:txBody>
-          <a:bodyPr/>
-          <a:lstStyle/>
-          <a:p>
-            <a:r>
-              <a:rPr lang="en-US" dirty="0" smtClean="0"/>
+        <p:spPr>
+          <a:xfrm>
+            <a:off x="5289452" y="559678"/>
+            <a:ext cx="6902548" cy="5664544"/>
+          </a:xfrm>
+        </p:spPr>
+        <p:txBody>
+          <a:bodyPr>
+            <a:noAutofit/>
+          </a:bodyPr>
+          <a:lstStyle/>
+          <a:p>
+            <a:r>
+              <a:rPr lang="en-US" sz="2600" dirty="0" smtClean="0"/>
+              <a:t>Identified functionalities of the software and detected activitie</a:t>
+            </a:r>
+            <a:r>
+              <a:rPr lang="en-US" sz="2600" dirty="0" smtClean="0"/>
+              <a:t>s more vulnerable to faults.</a:t>
+            </a:r>
+            <a:br>
+              <a:rPr lang="en-US" sz="2600" dirty="0" smtClean="0"/>
+            </a:br>
+            <a:endParaRPr lang="en-US" sz="2600" dirty="0" smtClean="0"/>
+          </a:p>
+          <a:p>
+            <a:r>
+              <a:rPr lang="en-US" sz="2600" dirty="0" smtClean="0"/>
+              <a:t>Wrong data values were given as input to identify the errors</a:t>
+            </a:r>
+            <a:br>
+              <a:rPr lang="en-US" sz="2600" dirty="0" smtClean="0"/>
+            </a:br>
+            <a:endParaRPr lang="en-US" sz="2600" dirty="0" smtClean="0"/>
+          </a:p>
+          <a:p>
+            <a:r>
+              <a:rPr lang="en-US" sz="2600" dirty="0" smtClean="0"/>
               <a:t> How many functions tested</a:t>
             </a:r>
-          </a:p>
-          <a:p>
-            <a:r>
-              <a:rPr lang="en-US" dirty="0"/>
+            <a:br>
+              <a:rPr lang="en-US" sz="2600" dirty="0" smtClean="0"/>
+            </a:br>
+            <a:endParaRPr lang="en-US" sz="2600" dirty="0" smtClean="0"/>
+          </a:p>
+          <a:p>
+            <a:r>
+              <a:rPr lang="en-US" sz="2600" dirty="0" smtClean="0"/>
               <a:t> </a:t>
             </a:r>
             <a:r>
-              <a:rPr lang="en-US" dirty="0" smtClean="0"/>
-              <a:t>How many functions were correct, how many were incorrect</a:t>
-            </a:r>
-          </a:p>
-          <a:p>
-            <a:r>
-              <a:rPr lang="en-US" dirty="0"/>
-              <a:t> </a:t>
-            </a:r>
-            <a:r>
-              <a:rPr lang="en-US" dirty="0" smtClean="0"/>
-              <a:t>Any problem that you wanted to highlight that the dev team has missed</a:t>
-            </a:r>
-          </a:p>
-          <a:p>
-            <a:endParaRPr lang="en-US" dirty="0"/>
-          </a:p>
-        </p:txBody>
-      </p:sp>
+              <a:rPr lang="en-US" sz="2600" dirty="0" smtClean="0"/>
+              <a:t>How many functions were correct, how many were </a:t>
+            </a:r>
+            <a:r>
+              <a:rPr lang="en-US" sz="2600" dirty="0" smtClean="0"/>
+              <a:t>incorrect</a:t>
+            </a:r>
+            <a:br>
+              <a:rPr lang="en-US" sz="2600" dirty="0" smtClean="0"/>
+            </a:br>
+            <a:endParaRPr lang="en-US" sz="2600" dirty="0" smtClean="0"/>
+          </a:p>
+          <a:p>
+            <a:r>
+              <a:rPr lang="en-US" sz="2600" dirty="0" smtClean="0"/>
+              <a:t>Login functionality was not working properly.</a:t>
+            </a:r>
+            <a:br>
+              <a:rPr lang="en-US" sz="2600" dirty="0" smtClean="0"/>
+            </a:br>
+            <a:endParaRPr lang="en-US" sz="2600" dirty="0" smtClean="0"/>
+          </a:p>
+          <a:p>
+            <a:pPr marL="0" indent="0">
+              <a:buNone/>
+            </a:pPr>
+            <a:endParaRPr lang="en-US" sz="2600" dirty="0"/>
+          </a:p>
+        </p:txBody>
+      </p:sp>
+      <p:pic>
+        <p:nvPicPr>
+          <p:cNvPr id="4" name="Picture 3"/>
+          <p:cNvPicPr>
+            <a:picLocks noChangeAspect="1"/>
+          </p:cNvPicPr>
+          <p:nvPr/>
+        </p:nvPicPr>
+        <p:blipFill rotWithShape="1">
+          <a:blip r:embed="rId2"/>
+          <a:srcRect l="-340" t="20625" r="63119" b="19375"/>
+          <a:stretch/>
+        </p:blipFill>
+        <p:spPr>
+          <a:xfrm>
+            <a:off x="188971" y="1483437"/>
+            <a:ext cx="4979963" cy="4389121"/>
+          </a:xfrm>
+          <a:prstGeom prst="rect">
+            <a:avLst/>
+          </a:prstGeom>
+          <a:effectLst>
+            <a:softEdge rad="31750"/>
+          </a:effectLst>
+        </p:spPr>
+      </p:pic>
     </p:spTree>
     <p:extLst>
       <p:ext uri="{BB962C8B-B14F-4D97-AF65-F5344CB8AC3E}">
@@ -5854,6 +6095,13 @@
   <p:clrMapOvr>
     <a:masterClrMapping/>
   </p:clrMapOvr>
+  <p:timing>
+    <p:tnLst>
+      <p:par>
+        <p:cTn id="1" dur="indefinite" restart="never" nodeType="tmRoot"/>
+      </p:par>
+    </p:tnLst>
+  </p:timing>
 </p:sld>
 </file>
 

--- a/presentation.pptx
+++ b/presentation.pptx
@@ -4378,8 +4378,8 @@
         </p:nvSpPr>
         <p:spPr>
           <a:xfrm>
-            <a:off x="762000" y="559678"/>
-            <a:ext cx="4710332" cy="1395731"/>
+            <a:off x="762000" y="809897"/>
+            <a:ext cx="4710332" cy="1145512"/>
           </a:xfrm>
         </p:spPr>
         <p:txBody>
@@ -4409,8 +4409,8 @@
         </p:nvSpPr>
         <p:spPr>
           <a:xfrm>
-            <a:off x="761999" y="1811703"/>
-            <a:ext cx="10238935" cy="3519952"/>
+            <a:off x="761999" y="2317147"/>
+            <a:ext cx="10238935" cy="2223707"/>
           </a:xfrm>
         </p:spPr>
         <p:txBody>
@@ -4803,13 +4803,8 @@
           <a:p>
             <a:r>
               <a:rPr lang="en-IN" sz="2600" dirty="0" smtClean="0"/>
-              <a:t>Faculty member (Admin) can also view result of the student</a:t>
-            </a:r>
-            <a:r>
-              <a:rPr lang="en-IN" sz="2600" dirty="0" smtClean="0"/>
-              <a:t>.</a:t>
-            </a:r>
-            <a:endParaRPr lang="en-IN" sz="2600" dirty="0" smtClean="0"/>
+              <a:t>Faculty member (Admin) can also view result of the student.</a:t>
+            </a:r>
           </a:p>
         </p:txBody>
       </p:sp>
@@ -5413,13 +5408,8 @@
           <a:p>
             <a:r>
               <a:rPr lang="en-IN" sz="2600" dirty="0" smtClean="0"/>
-              <a:t>Time constraint while attempting test</a:t>
-            </a:r>
-            <a:r>
-              <a:rPr lang="en-IN" sz="2600" dirty="0" smtClean="0"/>
-              <a:t>.</a:t>
-            </a:r>
-            <a:endParaRPr lang="en-IN" sz="2600" dirty="0" smtClean="0"/>
+              <a:t>Time constraint while attempting test.</a:t>
+            </a:r>
           </a:p>
         </p:txBody>
       </p:sp>
@@ -5588,15 +5578,7 @@
             <a:pPr algn="l"/>
             <a:r>
               <a:rPr lang="en-US" sz="6000" dirty="0" smtClean="0"/>
-              <a:t>Unit </a:t>
-            </a:r>
-            <a:r>
-              <a:rPr lang="en-US" sz="6000" dirty="0" smtClean="0"/>
-              <a:t>and </a:t>
-            </a:r>
-            <a:r>
-              <a:rPr lang="en-US" sz="6000" dirty="0" smtClean="0"/>
-              <a:t>System </a:t>
+              <a:t>Unit and System </a:t>
             </a:r>
             <a:r>
               <a:rPr lang="en-US" sz="6000" dirty="0"/>
@@ -5678,13 +5660,8 @@
             </a:r>
             <a:r>
               <a:rPr lang="en-US" sz="2600" dirty="0" smtClean="0"/>
-              <a:t>hether exceptions are handled properly or </a:t>
-            </a:r>
-            <a:r>
-              <a:rPr lang="en-US" sz="2600" dirty="0" smtClean="0"/>
-              <a:t>not</a:t>
-            </a:r>
-            <a:endParaRPr lang="en-US" sz="2600" dirty="0" smtClean="0"/>
+              <a:t>hether exceptions are handled properly or not</a:t>
+            </a:r>
           </a:p>
           <a:p>
             <a:pPr>
@@ -5696,7 +5673,6 @@
               <a:rPr lang="en-US" sz="2600" dirty="0" smtClean="0"/>
               <a:t>NO use of any Automated tools</a:t>
             </a:r>
-            <a:endParaRPr lang="en-US" sz="2600" dirty="0" smtClean="0"/>
           </a:p>
           <a:p>
             <a:pPr>
@@ -5712,7 +5688,6 @@
               <a:rPr lang="en-US" sz="2600" dirty="0" smtClean="0"/>
               <a:t>All the test cases are verified for different inputs</a:t>
             </a:r>
-            <a:endParaRPr lang="en-US" sz="2600" dirty="0" smtClean="0"/>
           </a:p>
         </p:txBody>
       </p:sp>
@@ -5864,10 +5839,14 @@
           <a:p>
             <a:pPr algn="l"/>
             <a:r>
-              <a:rPr lang="en-US" sz="4800" dirty="0" smtClean="0"/>
-              <a:t>List of Use cases tested</a:t>
-            </a:r>
-            <a:endParaRPr lang="en-US" sz="4800" dirty="0"/>
+              <a:rPr lang="en-US" sz="6000" dirty="0" smtClean="0"/>
+              <a:t>Use </a:t>
+            </a:r>
+            <a:r>
+              <a:rPr lang="en-US" sz="6000" dirty="0" smtClean="0"/>
+              <a:t>cases tested</a:t>
+            </a:r>
+            <a:endParaRPr lang="en-US" sz="6000" dirty="0"/>
           </a:p>
         </p:txBody>
       </p:sp>
@@ -5893,10 +5872,50 @@
           </a:bodyPr>
           <a:lstStyle/>
           <a:p>
-            <a:endParaRPr lang="en-US" sz="2400" dirty="0" smtClean="0"/>
-          </a:p>
-          <a:p>
-            <a:endParaRPr lang="en-US" sz="2400" dirty="0"/>
+            <a:r>
+              <a:rPr lang="en-US" sz="2600" dirty="0" smtClean="0"/>
+              <a:t>Password Validation</a:t>
+            </a:r>
+          </a:p>
+          <a:p>
+            <a:r>
+              <a:rPr lang="en-US" sz="2600" dirty="0" smtClean="0"/>
+              <a:t>Registration of Director</a:t>
+            </a:r>
+          </a:p>
+          <a:p>
+            <a:r>
+              <a:rPr lang="en-US" sz="2600" dirty="0" smtClean="0"/>
+              <a:t>Group discussion</a:t>
+            </a:r>
+          </a:p>
+          <a:p>
+            <a:r>
+              <a:rPr lang="en-US" sz="2600" dirty="0" smtClean="0"/>
+              <a:t>Add or change director</a:t>
+            </a:r>
+          </a:p>
+          <a:p>
+            <a:r>
+              <a:rPr lang="en-US" sz="2600" dirty="0" smtClean="0"/>
+              <a:t>Personal message</a:t>
+            </a:r>
+          </a:p>
+          <a:p>
+            <a:r>
+              <a:rPr lang="en-US" sz="2600" dirty="0" smtClean="0"/>
+              <a:t>Make plans or set goals</a:t>
+            </a:r>
+          </a:p>
+          <a:p>
+            <a:r>
+              <a:rPr lang="en-US" sz="2600" dirty="0" smtClean="0"/>
+              <a:t>Delete any file</a:t>
+            </a:r>
+            <a:endParaRPr lang="en-US" sz="2600" dirty="0" smtClean="0"/>
+          </a:p>
+          <a:p>
+            <a:endParaRPr lang="en-US" sz="2600" dirty="0"/>
           </a:p>
         </p:txBody>
       </p:sp>
@@ -5992,11 +6011,7 @@
           <a:p>
             <a:r>
               <a:rPr lang="en-US" sz="2600" dirty="0" smtClean="0"/>
-              <a:t>Identified functionalities of the software and detected activitie</a:t>
-            </a:r>
-            <a:r>
-              <a:rPr lang="en-US" sz="2600" dirty="0" smtClean="0"/>
-              <a:t>s more vulnerable to faults.</a:t>
+              <a:t>Identified functionalities of the software and detected activities more vulnerable to faults.</a:t>
             </a:r>
             <a:br>
               <a:rPr lang="en-US" sz="2600" dirty="0" smtClean="0"/>
@@ -6016,25 +6031,11 @@
           <a:p>
             <a:r>
               <a:rPr lang="en-US" sz="2600" dirty="0" smtClean="0"/>
-              <a:t> How many functions tested</a:t>
-            </a:r>
-            <a:br>
+              <a:t>17 functions tested out of which 6 functions were incorrect</a:t>
+            </a:r>
+            <a:r>
               <a:rPr lang="en-US" sz="2600" dirty="0" smtClean="0"/>
-            </a:br>
-            <a:endParaRPr lang="en-US" sz="2600" dirty="0" smtClean="0"/>
-          </a:p>
-          <a:p>
-            <a:r>
-              <a:rPr lang="en-US" sz="2600" dirty="0" smtClean="0"/>
-              <a:t> </a:t>
-            </a:r>
-            <a:r>
-              <a:rPr lang="en-US" sz="2600" dirty="0" smtClean="0"/>
-              <a:t>How many functions were correct, how many were </a:t>
-            </a:r>
-            <a:r>
-              <a:rPr lang="en-US" sz="2600" dirty="0" smtClean="0"/>
-              <a:t>incorrect</a:t>
+              <a:t/>
             </a:r>
             <a:br>
               <a:rPr lang="en-US" sz="2600" dirty="0" smtClean="0"/>
